--- a/AnythingElse/CoreJava/CoreJava.pptx
+++ b/AnythingElse/CoreJava/CoreJava.pptx
@@ -8,6 +8,7 @@
     <p:sldId id="256" r:id="rId2"/>
     <p:sldId id="257" r:id="rId3"/>
     <p:sldId id="258" r:id="rId4"/>
+    <p:sldId id="259" r:id="rId5"/>
   </p:sldIdLst>
   <p:sldSz cx="12192000" cy="6858000"/>
   <p:notesSz cx="6858000" cy="9144000"/>
@@ -106,6 +107,11 @@
       </a:defRPr>
     </a:lvl9pPr>
   </p:defaultTextStyle>
+  <p:extLst>
+    <p:ext uri="{EFAFB233-063F-42B5-8137-9DF3F51BA10A}">
+      <p15:sldGuideLst xmlns:p15="http://schemas.microsoft.com/office/powerpoint/2012/main"/>
+    </p:ext>
+  </p:extLst>
 </p:presentation>
 </file>
 
@@ -4797,10 +4803,115 @@
           </a:p>
         </p:txBody>
       </p:sp>
+      <p:sp>
+        <p:nvSpPr>
+          <p:cNvPr id="9" name="TextBox 8">
+            <a:extLst>
+              <a:ext uri="{FF2B5EF4-FFF2-40B4-BE49-F238E27FC236}">
+                <a16:creationId xmlns:a16="http://schemas.microsoft.com/office/drawing/2014/main" id="{718C2053-B2C5-4D92-82FA-94F8223DA143}"/>
+              </a:ext>
+            </a:extLst>
+          </p:cNvPr>
+          <p:cNvSpPr txBox="1"/>
+          <p:nvPr/>
+        </p:nvSpPr>
+        <p:spPr>
+          <a:xfrm>
+            <a:off x="216310" y="88490"/>
+            <a:ext cx="5112774" cy="523220"/>
+          </a:xfrm>
+          <a:prstGeom prst="rect">
+            <a:avLst/>
+          </a:prstGeom>
+          <a:noFill/>
+        </p:spPr>
+        <p:txBody>
+          <a:bodyPr wrap="square" rtlCol="0">
+            <a:spAutoFit/>
+          </a:bodyPr>
+          <a:lstStyle/>
+          <a:p>
+            <a:r>
+              <a:rPr lang="en-US" sz="2800" b="1" i="1" u="sng" dirty="0"/>
+              <a:t>Callable Interface Continues:-</a:t>
+            </a:r>
+          </a:p>
+        </p:txBody>
+      </p:sp>
     </p:spTree>
     <p:extLst>
       <p:ext uri="{BB962C8B-B14F-4D97-AF65-F5344CB8AC3E}">
         <p14:creationId xmlns:p14="http://schemas.microsoft.com/office/powerpoint/2010/main" val="484938909"/>
+      </p:ext>
+    </p:extLst>
+  </p:cSld>
+  <p:clrMapOvr>
+    <a:masterClrMapping/>
+  </p:clrMapOvr>
+</p:sld>
+</file>
+
+<file path=ppt/slides/slide4.xml><?xml version="1.0" encoding="utf-8"?>
+<p:sld xmlns:a="http://schemas.openxmlformats.org/drawingml/2006/main" xmlns:r="http://schemas.openxmlformats.org/officeDocument/2006/relationships" xmlns:p="http://schemas.openxmlformats.org/presentationml/2006/main">
+  <p:cSld>
+    <p:spTree>
+      <p:nvGrpSpPr>
+        <p:cNvPr id="1" name=""/>
+        <p:cNvGrpSpPr/>
+        <p:nvPr/>
+      </p:nvGrpSpPr>
+      <p:grpSpPr>
+        <a:xfrm>
+          <a:off x="0" y="0"/>
+          <a:ext cx="0" cy="0"/>
+          <a:chOff x="0" y="0"/>
+          <a:chExt cx="0" cy="0"/>
+        </a:xfrm>
+      </p:grpSpPr>
+      <p:sp>
+        <p:nvSpPr>
+          <p:cNvPr id="5" name="TextBox 4">
+            <a:extLst>
+              <a:ext uri="{FF2B5EF4-FFF2-40B4-BE49-F238E27FC236}">
+                <a16:creationId xmlns:a16="http://schemas.microsoft.com/office/drawing/2014/main" id="{D79B03F7-A1CC-4113-A486-6995100567E7}"/>
+              </a:ext>
+            </a:extLst>
+          </p:cNvPr>
+          <p:cNvSpPr txBox="1"/>
+          <p:nvPr/>
+        </p:nvSpPr>
+        <p:spPr>
+          <a:xfrm>
+            <a:off x="216310" y="88490"/>
+            <a:ext cx="5112774" cy="523220"/>
+          </a:xfrm>
+          <a:prstGeom prst="rect">
+            <a:avLst/>
+          </a:prstGeom>
+          <a:noFill/>
+        </p:spPr>
+        <p:txBody>
+          <a:bodyPr wrap="square" rtlCol="0">
+            <a:spAutoFit/>
+          </a:bodyPr>
+          <a:lstStyle/>
+          <a:p>
+            <a:r>
+              <a:rPr lang="en-US" sz="2800" b="1" i="1" u="sng" dirty="0"/>
+              <a:t>Future </a:t>
+            </a:r>
+            <a:r>
+              <a:rPr lang="en-US" sz="2800" b="1" i="1" u="sng"/>
+              <a:t>Interface :-</a:t>
+            </a:r>
+            <a:endParaRPr lang="en-US" sz="2800" b="1" i="1" u="sng" dirty="0"/>
+          </a:p>
+        </p:txBody>
+      </p:sp>
+    </p:spTree>
+    <p:extLst>
+      <p:ext uri="{BB962C8B-B14F-4D97-AF65-F5344CB8AC3E}">
+        <p14:creationId xmlns:p14="http://schemas.microsoft.com/office/powerpoint/2010/main" val="3538149545"/>
       </p:ext>
     </p:extLst>
   </p:cSld>

--- a/AnythingElse/CoreJava/CoreJava.pptx
+++ b/AnythingElse/CoreJava/CoreJava.pptx
@@ -262,7 +262,7 @@
           <a:p>
             <a:fld id="{7ADEAD3D-383F-4B63-8653-66AAC25720A1}" type="datetimeFigureOut">
               <a:rPr lang="en-US" smtClean="0"/>
-              <a:t>5/12/2019</a:t>
+              <a:t>5/14/2019</a:t>
             </a:fld>
             <a:endParaRPr lang="en-US"/>
           </a:p>
@@ -460,7 +460,7 @@
           <a:p>
             <a:fld id="{7ADEAD3D-383F-4B63-8653-66AAC25720A1}" type="datetimeFigureOut">
               <a:rPr lang="en-US" smtClean="0"/>
-              <a:t>5/12/2019</a:t>
+              <a:t>5/14/2019</a:t>
             </a:fld>
             <a:endParaRPr lang="en-US"/>
           </a:p>
@@ -668,7 +668,7 @@
           <a:p>
             <a:fld id="{7ADEAD3D-383F-4B63-8653-66AAC25720A1}" type="datetimeFigureOut">
               <a:rPr lang="en-US" smtClean="0"/>
-              <a:t>5/12/2019</a:t>
+              <a:t>5/14/2019</a:t>
             </a:fld>
             <a:endParaRPr lang="en-US"/>
           </a:p>
@@ -866,7 +866,7 @@
           <a:p>
             <a:fld id="{7ADEAD3D-383F-4B63-8653-66AAC25720A1}" type="datetimeFigureOut">
               <a:rPr lang="en-US" smtClean="0"/>
-              <a:t>5/12/2019</a:t>
+              <a:t>5/14/2019</a:t>
             </a:fld>
             <a:endParaRPr lang="en-US"/>
           </a:p>
@@ -1141,7 +1141,7 @@
           <a:p>
             <a:fld id="{7ADEAD3D-383F-4B63-8653-66AAC25720A1}" type="datetimeFigureOut">
               <a:rPr lang="en-US" smtClean="0"/>
-              <a:t>5/12/2019</a:t>
+              <a:t>5/14/2019</a:t>
             </a:fld>
             <a:endParaRPr lang="en-US"/>
           </a:p>
@@ -1406,7 +1406,7 @@
           <a:p>
             <a:fld id="{7ADEAD3D-383F-4B63-8653-66AAC25720A1}" type="datetimeFigureOut">
               <a:rPr lang="en-US" smtClean="0"/>
-              <a:t>5/12/2019</a:t>
+              <a:t>5/14/2019</a:t>
             </a:fld>
             <a:endParaRPr lang="en-US"/>
           </a:p>
@@ -1818,7 +1818,7 @@
           <a:p>
             <a:fld id="{7ADEAD3D-383F-4B63-8653-66AAC25720A1}" type="datetimeFigureOut">
               <a:rPr lang="en-US" smtClean="0"/>
-              <a:t>5/12/2019</a:t>
+              <a:t>5/14/2019</a:t>
             </a:fld>
             <a:endParaRPr lang="en-US"/>
           </a:p>
@@ -1959,7 +1959,7 @@
           <a:p>
             <a:fld id="{7ADEAD3D-383F-4B63-8653-66AAC25720A1}" type="datetimeFigureOut">
               <a:rPr lang="en-US" smtClean="0"/>
-              <a:t>5/12/2019</a:t>
+              <a:t>5/14/2019</a:t>
             </a:fld>
             <a:endParaRPr lang="en-US"/>
           </a:p>
@@ -2072,7 +2072,7 @@
           <a:p>
             <a:fld id="{7ADEAD3D-383F-4B63-8653-66AAC25720A1}" type="datetimeFigureOut">
               <a:rPr lang="en-US" smtClean="0"/>
-              <a:t>5/12/2019</a:t>
+              <a:t>5/14/2019</a:t>
             </a:fld>
             <a:endParaRPr lang="en-US"/>
           </a:p>
@@ -2383,7 +2383,7 @@
           <a:p>
             <a:fld id="{7ADEAD3D-383F-4B63-8653-66AAC25720A1}" type="datetimeFigureOut">
               <a:rPr lang="en-US" smtClean="0"/>
-              <a:t>5/12/2019</a:t>
+              <a:t>5/14/2019</a:t>
             </a:fld>
             <a:endParaRPr lang="en-US"/>
           </a:p>
@@ -2671,7 +2671,7 @@
           <a:p>
             <a:fld id="{7ADEAD3D-383F-4B63-8653-66AAC25720A1}" type="datetimeFigureOut">
               <a:rPr lang="en-US" smtClean="0"/>
-              <a:t>5/12/2019</a:t>
+              <a:t>5/14/2019</a:t>
             </a:fld>
             <a:endParaRPr lang="en-US"/>
           </a:p>
@@ -2912,7 +2912,7 @@
           <a:p>
             <a:fld id="{7ADEAD3D-383F-4B63-8653-66AAC25720A1}" type="datetimeFigureOut">
               <a:rPr lang="en-US" smtClean="0"/>
-              <a:t>5/12/2019</a:t>
+              <a:t>5/14/2019</a:t>
             </a:fld>
             <a:endParaRPr lang="en-US"/>
           </a:p>
@@ -3386,7 +3386,7 @@
         <p:spPr>
           <a:xfrm>
             <a:off x="314632" y="1022555"/>
-            <a:ext cx="8957188" cy="923330"/>
+            <a:ext cx="8957188" cy="2308324"/>
           </a:xfrm>
           <a:prstGeom prst="rect">
             <a:avLst/>
@@ -3405,7 +3405,7 @@
             </a:pPr>
             <a:r>
               <a:rPr lang="en-US" dirty="0"/>
-              <a:t>Runnable</a:t>
+              <a:t>Thread Executor Service</a:t>
             </a:r>
           </a:p>
           <a:p>
@@ -3415,7 +3415,7 @@
             </a:pPr>
             <a:r>
               <a:rPr lang="en-US" dirty="0"/>
-              <a:t>Callable</a:t>
+              <a:t>Runnable</a:t>
             </a:r>
           </a:p>
           <a:p>
@@ -3425,8 +3425,52 @@
             </a:pPr>
             <a:r>
               <a:rPr lang="en-US" dirty="0"/>
+              <a:t>Callable</a:t>
+            </a:r>
+          </a:p>
+          <a:p>
+            <a:pPr marL="285750" indent="-285750">
+              <a:buFont typeface="Wingdings" panose="05000000000000000000" pitchFamily="2" charset="2"/>
+              <a:buChar char="Ø"/>
+            </a:pPr>
+            <a:r>
+              <a:rPr lang="en-US" dirty="0"/>
               <a:t>Future</a:t>
             </a:r>
+          </a:p>
+          <a:p>
+            <a:pPr marL="285750" indent="-285750">
+              <a:buFont typeface="Wingdings" panose="05000000000000000000" pitchFamily="2" charset="2"/>
+              <a:buChar char="Ø"/>
+            </a:pPr>
+            <a:r>
+              <a:rPr lang="en-US" dirty="0"/>
+              <a:t>Memory Management</a:t>
+            </a:r>
+          </a:p>
+          <a:p>
+            <a:pPr marL="285750" indent="-285750">
+              <a:buFont typeface="Wingdings" panose="05000000000000000000" pitchFamily="2" charset="2"/>
+              <a:buChar char="Ø"/>
+            </a:pPr>
+            <a:r>
+              <a:rPr lang="en-US"/>
+              <a:t>Garbage Collector</a:t>
+            </a:r>
+          </a:p>
+          <a:p>
+            <a:pPr marL="285750" indent="-285750">
+              <a:buFont typeface="Wingdings" panose="05000000000000000000" pitchFamily="2" charset="2"/>
+              <a:buChar char="Ø"/>
+            </a:pPr>
+            <a:endParaRPr lang="en-US" dirty="0"/>
+          </a:p>
+          <a:p>
+            <a:pPr marL="285750" indent="-285750">
+              <a:buFont typeface="Wingdings" panose="05000000000000000000" pitchFamily="2" charset="2"/>
+              <a:buChar char="Ø"/>
+            </a:pPr>
+            <a:endParaRPr lang="en-US" dirty="0"/>
           </a:p>
         </p:txBody>
       </p:sp>

--- a/AnythingElse/CoreJava/CoreJava.pptx
+++ b/AnythingElse/CoreJava/CoreJava.pptx
@@ -3454,7 +3454,7 @@
               <a:buChar char="Ø"/>
             </a:pPr>
             <a:r>
-              <a:rPr lang="en-US"/>
+              <a:rPr lang="en-US" dirty="0"/>
               <a:t>Garbage Collector</a:t>
             </a:r>
           </a:p>
@@ -3463,6 +3463,14 @@
               <a:buFont typeface="Wingdings" panose="05000000000000000000" pitchFamily="2" charset="2"/>
               <a:buChar char="Ø"/>
             </a:pPr>
+            <a:r>
+              <a:rPr lang="en-US" dirty="0"/>
+              <a:t>Message </a:t>
+            </a:r>
+            <a:r>
+              <a:rPr lang="en-US"/>
+              <a:t>Queue Service</a:t>
+            </a:r>
             <a:endParaRPr lang="en-US" dirty="0"/>
           </a:p>
           <a:p>
